--- a/Group_10_presentations.pptx
+++ b/Group_10_presentations.pptx
@@ -568,7 +568,7 @@
             </a:ln>
             <a:extLst>
               <a:ext uri="{91240B29-F687-4f45-9708-019B960494DF}">
-                <a14:hiddenLine xmlns:a14="http://schemas.microsoft.com/office/drawing/2010/main" xmlns="" w="9525">
+                <a14:hiddenLine xmlns="" xmlns:a14="http://schemas.microsoft.com/office/drawing/2010/main" w="9525">
                   <a:solidFill>
                     <a:srgbClr val="000000"/>
                   </a:solidFill>
@@ -765,7 +765,7 @@
           <a:p>
             <a:fld id="{5BCAD085-E8A6-8845-BD4E-CB4CCA059FC4}" type="datetimeFigureOut">
               <a:rPr lang="en-US" smtClean="0"/>
-              <a:t>4/1/2025</a:t>
+              <a:t>4/6/2025</a:t>
             </a:fld>
             <a:endParaRPr lang="en-US"/>
           </a:p>
@@ -1649,7 +1649,7 @@
             </a:ln>
             <a:extLst>
               <a:ext uri="{91240B29-F687-4f45-9708-019B960494DF}">
-                <a14:hiddenLine xmlns:a14="http://schemas.microsoft.com/office/drawing/2010/main" xmlns="" w="9525">
+                <a14:hiddenLine xmlns="" xmlns:a14="http://schemas.microsoft.com/office/drawing/2010/main" w="9525">
                   <a:solidFill>
                     <a:srgbClr val="000000"/>
                   </a:solidFill>
@@ -1866,7 +1866,7 @@
           <a:p>
             <a:fld id="{5BCAD085-E8A6-8845-BD4E-CB4CCA059FC4}" type="datetimeFigureOut">
               <a:rPr lang="en-US" smtClean="0"/>
-              <a:t>4/1/2025</a:t>
+              <a:t>4/6/2025</a:t>
             </a:fld>
             <a:endParaRPr lang="en-US"/>
           </a:p>
@@ -2735,7 +2735,7 @@
             </a:ln>
             <a:extLst>
               <a:ext uri="{91240B29-F687-4f45-9708-019B960494DF}">
-                <a14:hiddenLine xmlns:a14="http://schemas.microsoft.com/office/drawing/2010/main" xmlns="" w="9525">
+                <a14:hiddenLine xmlns="" xmlns:a14="http://schemas.microsoft.com/office/drawing/2010/main" w="9525">
                   <a:solidFill>
                     <a:srgbClr val="000000"/>
                   </a:solidFill>
@@ -2864,7 +2864,7 @@
           <a:p>
             <a:fld id="{5BCAD085-E8A6-8845-BD4E-CB4CCA059FC4}" type="datetimeFigureOut">
               <a:rPr lang="en-US" smtClean="0"/>
-              <a:t>4/1/2025</a:t>
+              <a:t>4/6/2025</a:t>
             </a:fld>
             <a:endParaRPr lang="en-US"/>
           </a:p>
@@ -3696,7 +3696,7 @@
             </a:ln>
             <a:extLst>
               <a:ext uri="{91240B29-F687-4f45-9708-019B960494DF}">
-                <a14:hiddenLine xmlns:a14="http://schemas.microsoft.com/office/drawing/2010/main" xmlns="" w="9525">
+                <a14:hiddenLine xmlns="" xmlns:a14="http://schemas.microsoft.com/office/drawing/2010/main" w="9525">
                   <a:solidFill>
                     <a:srgbClr val="000000"/>
                   </a:solidFill>
@@ -3979,7 +3979,7 @@
           <a:p>
             <a:fld id="{5BCAD085-E8A6-8845-BD4E-CB4CCA059FC4}" type="datetimeFigureOut">
               <a:rPr lang="en-US" smtClean="0"/>
-              <a:t>4/1/2025</a:t>
+              <a:t>4/6/2025</a:t>
             </a:fld>
             <a:endParaRPr lang="en-US"/>
           </a:p>
@@ -4811,7 +4811,7 @@
             </a:ln>
             <a:extLst>
               <a:ext uri="{91240B29-F687-4f45-9708-019B960494DF}">
-                <a14:hiddenLine xmlns:a14="http://schemas.microsoft.com/office/drawing/2010/main" xmlns="" w="9525">
+                <a14:hiddenLine xmlns="" xmlns:a14="http://schemas.microsoft.com/office/drawing/2010/main" w="9525">
                   <a:solidFill>
                     <a:srgbClr val="000000"/>
                   </a:solidFill>
@@ -4993,7 +4993,7 @@
           <a:p>
             <a:fld id="{5BCAD085-E8A6-8845-BD4E-CB4CCA059FC4}" type="datetimeFigureOut">
               <a:rPr lang="en-US" smtClean="0"/>
-              <a:t>4/1/2025</a:t>
+              <a:t>4/6/2025</a:t>
             </a:fld>
             <a:endParaRPr lang="en-US"/>
           </a:p>
@@ -5665,7 +5665,7 @@
           <a:p>
             <a:fld id="{5BCAD085-E8A6-8845-BD4E-CB4CCA059FC4}" type="datetimeFigureOut">
               <a:rPr lang="en-US" smtClean="0"/>
-              <a:t>4/1/2025</a:t>
+              <a:t>4/6/2025</a:t>
             </a:fld>
             <a:endParaRPr lang="en-US"/>
           </a:p>
@@ -6538,7 +6538,7 @@
           <a:p>
             <a:fld id="{5BCAD085-E8A6-8845-BD4E-CB4CCA059FC4}" type="datetimeFigureOut">
               <a:rPr lang="en-US" smtClean="0"/>
-              <a:t>4/1/2025</a:t>
+              <a:t>4/6/2025</a:t>
             </a:fld>
             <a:endParaRPr lang="en-US"/>
           </a:p>
@@ -6725,7 +6725,7 @@
           <a:p>
             <a:fld id="{5BCAD085-E8A6-8845-BD4E-CB4CCA059FC4}" type="datetimeFigureOut">
               <a:rPr lang="en-US" smtClean="0"/>
-              <a:t>4/1/2025</a:t>
+              <a:t>4/6/2025</a:t>
             </a:fld>
             <a:endParaRPr lang="en-US"/>
           </a:p>
@@ -7560,7 +7560,7 @@
           </a:ln>
           <a:extLst>
             <a:ext uri="{91240B29-F687-4f45-9708-019B960494DF}">
-              <a14:hiddenLine xmlns:a14="http://schemas.microsoft.com/office/drawing/2010/main" xmlns="" w="9525">
+              <a14:hiddenLine xmlns="" xmlns:a14="http://schemas.microsoft.com/office/drawing/2010/main" w="9525">
                 <a:solidFill>
                   <a:srgbClr val="000000"/>
                 </a:solidFill>
@@ -7674,7 +7674,7 @@
           <a:p>
             <a:fld id="{5BCAD085-E8A6-8845-BD4E-CB4CCA059FC4}" type="datetimeFigureOut">
               <a:rPr lang="en-US" smtClean="0"/>
-              <a:t>4/1/2025</a:t>
+              <a:t>4/6/2025</a:t>
             </a:fld>
             <a:endParaRPr lang="en-US"/>
           </a:p>
@@ -7906,7 +7906,7 @@
           <a:p>
             <a:fld id="{5BCAD085-E8A6-8845-BD4E-CB4CCA059FC4}" type="datetimeFigureOut">
               <a:rPr lang="en-US" smtClean="0"/>
-              <a:t>4/1/2025</a:t>
+              <a:t>4/6/2025</a:t>
             </a:fld>
             <a:endParaRPr lang="en-US"/>
           </a:p>
@@ -8735,7 +8735,7 @@
             </a:ln>
             <a:extLst>
               <a:ext uri="{91240B29-F687-4f45-9708-019B960494DF}">
-                <a14:hiddenLine xmlns:a14="http://schemas.microsoft.com/office/drawing/2010/main" xmlns="" w="9525">
+                <a14:hiddenLine xmlns="" xmlns:a14="http://schemas.microsoft.com/office/drawing/2010/main" w="9525">
                   <a:solidFill>
                     <a:srgbClr val="000000"/>
                   </a:solidFill>
@@ -8917,7 +8917,7 @@
           <a:p>
             <a:fld id="{5BCAD085-E8A6-8845-BD4E-CB4CCA059FC4}" type="datetimeFigureOut">
               <a:rPr lang="en-US" smtClean="0"/>
-              <a:t>4/1/2025</a:t>
+              <a:t>4/6/2025</a:t>
             </a:fld>
             <a:endParaRPr lang="en-US"/>
           </a:p>
@@ -9201,7 +9201,7 @@
           <a:p>
             <a:fld id="{5BCAD085-E8A6-8845-BD4E-CB4CCA059FC4}" type="datetimeFigureOut">
               <a:rPr lang="en-US" smtClean="0"/>
-              <a:t>4/1/2025</a:t>
+              <a:t>4/6/2025</a:t>
             </a:fld>
             <a:endParaRPr lang="en-US"/>
           </a:p>
@@ -9601,7 +9601,7 @@
           <a:p>
             <a:fld id="{5BCAD085-E8A6-8845-BD4E-CB4CCA059FC4}" type="datetimeFigureOut">
               <a:rPr lang="en-US" smtClean="0"/>
-              <a:t>4/1/2025</a:t>
+              <a:t>4/6/2025</a:t>
             </a:fld>
             <a:endParaRPr lang="en-US"/>
           </a:p>
@@ -9731,7 +9731,7 @@
           <a:p>
             <a:fld id="{5BCAD085-E8A6-8845-BD4E-CB4CCA059FC4}" type="datetimeFigureOut">
               <a:rPr lang="en-US" smtClean="0"/>
-              <a:t>4/1/2025</a:t>
+              <a:t>4/6/2025</a:t>
             </a:fld>
             <a:endParaRPr lang="en-US"/>
           </a:p>
@@ -9874,7 +9874,7 @@
           <a:p>
             <a:fld id="{5BCAD085-E8A6-8845-BD4E-CB4CCA059FC4}" type="datetimeFigureOut">
               <a:rPr lang="en-US" smtClean="0"/>
-              <a:t>4/1/2025</a:t>
+              <a:t>4/6/2025</a:t>
             </a:fld>
             <a:endParaRPr lang="en-US"/>
           </a:p>
@@ -10703,7 +10703,7 @@
             </a:ln>
             <a:extLst>
               <a:ext uri="{91240B29-F687-4f45-9708-019B960494DF}">
-                <a14:hiddenLine xmlns:a14="http://schemas.microsoft.com/office/drawing/2010/main" xmlns="" w="9525">
+                <a14:hiddenLine xmlns="" xmlns:a14="http://schemas.microsoft.com/office/drawing/2010/main" w="9525">
                   <a:solidFill>
                     <a:srgbClr val="000000"/>
                   </a:solidFill>
@@ -10896,7 +10896,7 @@
           <a:p>
             <a:fld id="{5BCAD085-E8A6-8845-BD4E-CB4CCA059FC4}" type="datetimeFigureOut">
               <a:rPr lang="en-US" smtClean="0"/>
-              <a:t>4/1/2025</a:t>
+              <a:t>4/6/2025</a:t>
             </a:fld>
             <a:endParaRPr lang="en-US"/>
           </a:p>
@@ -11761,7 +11761,7 @@
             </a:ln>
             <a:extLst>
               <a:ext uri="{91240B29-F687-4f45-9708-019B960494DF}">
-                <a14:hiddenLine xmlns:a14="http://schemas.microsoft.com/office/drawing/2010/main" xmlns="" w="9525">
+                <a14:hiddenLine xmlns="" xmlns:a14="http://schemas.microsoft.com/office/drawing/2010/main" w="9525">
                   <a:solidFill>
                     <a:srgbClr val="000000"/>
                   </a:solidFill>
@@ -11978,7 +11978,7 @@
           <a:p>
             <a:fld id="{5BCAD085-E8A6-8845-BD4E-CB4CCA059FC4}" type="datetimeFigureOut">
               <a:rPr lang="en-US" smtClean="0"/>
-              <a:t>4/1/2025</a:t>
+              <a:t>4/6/2025</a:t>
             </a:fld>
             <a:endParaRPr lang="en-US"/>
           </a:p>
@@ -12811,7 +12811,7 @@
             </a:ln>
             <a:extLst>
               <a:ext uri="{91240B29-F687-4f45-9708-019B960494DF}">
-                <a14:hiddenLine xmlns:a14="http://schemas.microsoft.com/office/drawing/2010/main" xmlns="" w="9525">
+                <a14:hiddenLine xmlns="" xmlns:a14="http://schemas.microsoft.com/office/drawing/2010/main" w="9525">
                   <a:solidFill>
                     <a:srgbClr val="000000"/>
                   </a:solidFill>
@@ -12952,7 +12952,7 @@
           <a:p>
             <a:fld id="{5BCAD085-E8A6-8845-BD4E-CB4CCA059FC4}" type="datetimeFigureOut">
               <a:rPr lang="en-US" smtClean="0"/>
-              <a:t>4/1/2025</a:t>
+              <a:t>4/6/2025</a:t>
             </a:fld>
             <a:endParaRPr lang="en-US"/>
           </a:p>
@@ -13563,15 +13563,12 @@
             </a:r>
           </a:p>
           <a:p>
-            <a:endParaRPr lang="en-US"/>
-          </a:p>
-          <a:p>
-            <a:r>
-              <a:t>Group </a:t>
-            </a:r>
+            <a:endParaRPr lang="en-US" dirty="0"/>
+          </a:p>
+          <a:p>
             <a:r>
               <a:rPr dirty="0"/>
-              <a:t>10</a:t>
+              <a:t>Group 10</a:t>
             </a:r>
           </a:p>
           <a:p>
@@ -13848,8 +13845,70 @@
           <a:lstStyle/>
           <a:p>
             <a:r>
+              <a:rPr dirty="0"/>
               <a:t>Any Questions?</a:t>
             </a:r>
+            <a:endParaRPr lang="en-US" dirty="0"/>
+          </a:p>
+          <a:p>
+            <a:r>
+              <a:rPr lang="en-US" dirty="0" err="1"/>
+              <a:t>Github</a:t>
+            </a:r>
+            <a:r>
+              <a:rPr lang="en-US" dirty="0"/>
+              <a:t> source code link </a:t>
+            </a:r>
+            <a:r>
+              <a:rPr lang="en-US" b="1" dirty="0">
+                <a:solidFill>
+                  <a:srgbClr val="0070C0"/>
+                </a:solidFill>
+                <a:hlinkClick r:id="rId2">
+                  <a:extLst>
+                    <a:ext uri="{A12FA001-AC4F-418D-AE19-62706E023703}">
+                      <ahyp:hlinkClr xmlns:ahyp="http://schemas.microsoft.com/office/drawing/2018/hyperlinkcolor" val="tx"/>
+                    </a:ext>
+                  </a:extLst>
+                </a:hlinkClick>
+              </a:rPr>
+              <a:t>https://</a:t>
+            </a:r>
+            <a:r>
+              <a:rPr lang="en-US" b="1" dirty="0">
+                <a:solidFill>
+                  <a:srgbClr val="0070C0"/>
+                </a:solidFill>
+                <a:hlinkClick r:id="rId2">
+                  <a:extLst>
+                    <a:ext uri="{A12FA001-AC4F-418D-AE19-62706E023703}">
+                      <ahyp:hlinkClr xmlns:ahyp="http://schemas.microsoft.com/office/drawing/2018/hyperlinkcolor" val="tx"/>
+                    </a:ext>
+                  </a:extLst>
+                </a:hlinkClick>
+              </a:rPr>
+              <a:t>g</a:t>
+            </a:r>
+            <a:r>
+              <a:rPr lang="en-US" b="1" dirty="0">
+                <a:solidFill>
+                  <a:srgbClr val="0070C0"/>
+                </a:solidFill>
+                <a:hlinkClick r:id="rId2">
+                  <a:extLst>
+                    <a:ext uri="{A12FA001-AC4F-418D-AE19-62706E023703}">
+                      <ahyp:hlinkClr xmlns:ahyp="http://schemas.microsoft.com/office/drawing/2018/hyperlinkcolor" val="tx"/>
+                    </a:ext>
+                  </a:extLst>
+                </a:hlinkClick>
+              </a:rPr>
+              <a:t>ithub.com/felixmokayabeatz/technical.git </a:t>
+            </a:r>
+            <a:endParaRPr b="1" dirty="0">
+              <a:solidFill>
+                <a:srgbClr val="0070C0"/>
+              </a:solidFill>
+            </a:endParaRPr>
           </a:p>
         </p:txBody>
       </p:sp>
